--- a/Presentation.pptx
+++ b/Presentation.pptx
@@ -2945,7 +2945,7 @@
                 <a:latin typeface="Times New Roman" panose="02020603050405020304" charset="0"/>
                 <a:cs typeface="Times New Roman" panose="02020603050405020304" charset="0"/>
               </a:rPr>
-              <a:t>File Management System From Scratch</a:t>
+              <a:t>File Management System</a:t>
             </a:r>
             <a:endParaRPr lang="en-US" altLang="zh-CN">
               <a:latin typeface="Times New Roman" panose="02020603050405020304" charset="0"/>
@@ -3494,7 +3494,7 @@
               <a:rPr lang="en-US" altLang="zh-CN">
                 <a:latin typeface="Times New Roman" panose="02020603050405020304" charset="0"/>
                 <a:cs typeface="Times New Roman" panose="02020603050405020304" charset="0"/>
-                <a:hlinkClick r:id="rId1" tooltip=""/>
+                <a:hlinkClick r:id="rId1"/>
               </a:rPr>
               <a:t>http://localhost:8080/register</a:t>
             </a:r>
@@ -3642,20 +3642,11 @@
                 <a:latin typeface="Times New Roman" panose="02020603050405020304" charset="0"/>
                 <a:cs typeface="Times New Roman" panose="02020603050405020304" charset="0"/>
               </a:rPr>
-              <a:t>1. Non-existent file: </a:t>
-            </a:r>
-            <a:r>
-              <a:rPr lang="en-US" altLang="zh-CN">
-                <a:latin typeface="Times New Roman" panose="02020603050405020304" charset="0"/>
-                <a:cs typeface="Times New Roman" panose="02020603050405020304" charset="0"/>
-                <a:hlinkClick r:id="rId1" tooltip=""/>
-              </a:rPr>
-              <a:t>http://localhost:8080/114514.txt</a:t>
+              <a:t>1. Non-existent file</a:t>
             </a:r>
             <a:endParaRPr lang="en-US" altLang="zh-CN">
               <a:latin typeface="Times New Roman" panose="02020603050405020304" charset="0"/>
               <a:cs typeface="Times New Roman" panose="02020603050405020304" charset="0"/>
-              <a:hlinkClick r:id="rId1" tooltip=""/>
             </a:endParaRPr>
           </a:p>
           <a:p>
@@ -3675,22 +3666,14 @@
                 <a:ea typeface="仿宋" panose="02010609060101010101" charset="-122"/>
                 <a:cs typeface="Times New Roman" panose="02020603050405020304" charset="0"/>
               </a:rPr>
-              <a:t>client1</a:t>
+              <a:t>admin</a:t>
             </a:r>
             <a:r>
               <a:rPr lang="en-US" altLang="zh-CN">
                 <a:latin typeface="Times New Roman" panose="02020603050405020304" charset="0"/>
                 <a:cs typeface="Times New Roman" panose="02020603050405020304" charset="0"/>
               </a:rPr>
-              <a:t>): </a:t>
-            </a:r>
-            <a:r>
-              <a:rPr lang="en-US" altLang="zh-CN">
-                <a:latin typeface="Times New Roman" panose="02020603050405020304" charset="0"/>
-                <a:cs typeface="Times New Roman" panose="02020603050405020304" charset="0"/>
-                <a:hlinkClick r:id="rId2" tooltip=""/>
-              </a:rPr>
-              <a:t>http://localhost:8080/admin/dfs.cpp</a:t>
+              <a:t>)</a:t>
             </a:r>
             <a:endParaRPr lang="en-US" altLang="zh-CN">
               <a:latin typeface="Times New Roman" panose="02020603050405020304" charset="0"/>
